--- a/ch04_Typography/Ch04_Typography.pptx
+++ b/ch04_Typography/Ch04_Typography.pptx
@@ -3888,7 +3888,7 @@
               <a:rPr lang="en-US" sz="1600" dirty="0">
                 <a:hlinkClick r:id="rId2"/>
               </a:rPr>
-              <a:t>https://www.youtube.com/watch?v=4ZugNBFA2mA&amp;list=PLC3y8-rFHvwilEuCqFGTL5Gt5U6deIrsU&amp;index=3</a:t>
+              <a:t>https://www.youtube.com/watch?v=E_ztRpqs_Vs&amp;list=PLC3y8-rFHvwilEuCqFGTL5Gt5U6deIrsU&amp;index=4</a:t>
             </a:r>
             <a:endParaRPr lang="en-US" sz="1600" b="1" i="1" dirty="0"/>
           </a:p>
@@ -4225,7 +4225,7 @@
               <a:rPr lang="en-US" sz="1600" dirty="0">
                 <a:hlinkClick r:id="rId2"/>
               </a:rPr>
-              <a:t>https://www.youtube.com/watch?v=4ZugNBFA2mA&amp;list=PLC3y8-rFHvwilEuCqFGTL5Gt5U6deIrsU&amp;index=3</a:t>
+              <a:t>https://www.youtube.com/watch?v=E_ztRpqs_Vs&amp;list=PLC3y8-rFHvwilEuCqFGTL5Gt5U6deIrsU&amp;index=4</a:t>
             </a:r>
             <a:endParaRPr lang="en-US" sz="1600" b="1" i="1" dirty="0"/>
           </a:p>
@@ -4582,7 +4582,7 @@
               <a:rPr lang="en-US" sz="1600" dirty="0">
                 <a:hlinkClick r:id="rId2"/>
               </a:rPr>
-              <a:t>https://www.youtube.com/watch?v=4ZugNBFA2mA&amp;list=PLC3y8-rFHvwilEuCqFGTL5Gt5U6deIrsU&amp;index=3</a:t>
+              <a:t>https://www.youtube.com/watch?v=E_ztRpqs_Vs&amp;list=PLC3y8-rFHvwilEuCqFGTL5Gt5U6deIrsU&amp;index=4</a:t>
             </a:r>
             <a:endParaRPr lang="en-US" sz="1600" b="1" i="1" dirty="0"/>
           </a:p>
@@ -4886,7 +4886,7 @@
               <a:rPr lang="en-US" sz="1600" dirty="0">
                 <a:hlinkClick r:id="rId2"/>
               </a:rPr>
-              <a:t>https://www.youtube.com/watch?v=4ZugNBFA2mA&amp;list=PLC3y8-rFHvwilEuCqFGTL5Gt5U6deIrsU&amp;index=3</a:t>
+              <a:t>https://www.youtube.com/watch?v=E_ztRpqs_Vs&amp;list=PLC3y8-rFHvwilEuCqFGTL5Gt5U6deIrsU&amp;index=4</a:t>
             </a:r>
             <a:endParaRPr lang="en-US" sz="1600" b="1" i="1" dirty="0"/>
           </a:p>
@@ -5465,7 +5465,7 @@
               <a:rPr lang="en-US" sz="1600" dirty="0">
                 <a:hlinkClick r:id="rId2"/>
               </a:rPr>
-              <a:t>https://www.youtube.com/watch?v=4ZugNBFA2mA&amp;list=PLC3y8-rFHvwilEuCqFGTL5Gt5U6deIrsU&amp;index=3</a:t>
+              <a:t>https://www.youtube.com/watch?v=E_ztRpqs_Vs&amp;list=PLC3y8-rFHvwilEuCqFGTL5Gt5U6deIrsU&amp;index=4</a:t>
             </a:r>
             <a:endParaRPr lang="en-US" sz="1600" b="1" i="1" dirty="0"/>
           </a:p>
@@ -5787,7 +5787,7 @@
               <a:rPr lang="en-US" sz="1600" dirty="0">
                 <a:hlinkClick r:id="rId2"/>
               </a:rPr>
-              <a:t>https://www.youtube.com/watch?v=4ZugNBFA2mA&amp;list=PLC3y8-rFHvwilEuCqFGTL5Gt5U6deIrsU&amp;index=3</a:t>
+              <a:t>https://www.youtube.com/watch?v=E_ztRpqs_Vs&amp;list=PLC3y8-rFHvwilEuCqFGTL5Gt5U6deIrsU&amp;index=4</a:t>
             </a:r>
             <a:endParaRPr lang="en-US" sz="1600" b="1" i="1" dirty="0"/>
           </a:p>
